--- a/FIAP-QualidProjSW-Aula15-CONTROLEdeVERSAO-v2.pptx
+++ b/FIAP-QualidProjSW-Aula15-CONTROLEdeVERSAO-v2.pptx
@@ -294,7 +294,7 @@
           <a:p>
             <a:fld id="{B6D4C934-FEA0-426E-B081-61FE807EA637}" type="datetimeFigureOut">
               <a:rPr lang="pt-BR" smtClean="0"/>
-              <a:t>08/09/2016</a:t>
+              <a:t>09/09/2016</a:t>
             </a:fld>
             <a:endParaRPr lang="pt-BR"/>
           </a:p>
@@ -2017,7 +2017,7 @@
           <a:p>
             <a:fld id="{89C4B140-6DEB-45EB-A5FE-2FE213A19AB6}" type="datetimeFigureOut">
               <a:rPr lang="pt-BR" smtClean="0"/>
-              <a:t>08/09/2016</a:t>
+              <a:t>09/09/2016</a:t>
             </a:fld>
             <a:endParaRPr lang="pt-BR"/>
           </a:p>
@@ -2234,7 +2234,7 @@
           <a:p>
             <a:fld id="{89C4B140-6DEB-45EB-A5FE-2FE213A19AB6}" type="datetimeFigureOut">
               <a:rPr lang="pt-BR" smtClean="0"/>
-              <a:t>08/09/2016</a:t>
+              <a:t>09/09/2016</a:t>
             </a:fld>
             <a:endParaRPr lang="pt-BR"/>
           </a:p>
@@ -2444,7 +2444,7 @@
           <a:p>
             <a:fld id="{89C4B140-6DEB-45EB-A5FE-2FE213A19AB6}" type="datetimeFigureOut">
               <a:rPr lang="pt-BR" smtClean="0"/>
-              <a:t>08/09/2016</a:t>
+              <a:t>09/09/2016</a:t>
             </a:fld>
             <a:endParaRPr lang="pt-BR"/>
           </a:p>
@@ -2654,7 +2654,7 @@
           <a:p>
             <a:fld id="{89C4B140-6DEB-45EB-A5FE-2FE213A19AB6}" type="datetimeFigureOut">
               <a:rPr lang="pt-BR" smtClean="0"/>
-              <a:t>08/09/2016</a:t>
+              <a:t>09/09/2016</a:t>
             </a:fld>
             <a:endParaRPr lang="pt-BR"/>
           </a:p>
@@ -2930,7 +2930,7 @@
           <a:p>
             <a:fld id="{89C4B140-6DEB-45EB-A5FE-2FE213A19AB6}" type="datetimeFigureOut">
               <a:rPr lang="pt-BR" smtClean="0"/>
-              <a:t>08/09/2016</a:t>
+              <a:t>09/09/2016</a:t>
             </a:fld>
             <a:endParaRPr lang="pt-BR"/>
           </a:p>
@@ -3256,7 +3256,7 @@
           <a:p>
             <a:fld id="{89C4B140-6DEB-45EB-A5FE-2FE213A19AB6}" type="datetimeFigureOut">
               <a:rPr lang="pt-BR" smtClean="0"/>
-              <a:t>08/09/2016</a:t>
+              <a:t>09/09/2016</a:t>
             </a:fld>
             <a:endParaRPr lang="pt-BR"/>
           </a:p>
@@ -3722,7 +3722,7 @@
           <a:p>
             <a:fld id="{89C4B140-6DEB-45EB-A5FE-2FE213A19AB6}" type="datetimeFigureOut">
               <a:rPr lang="pt-BR" smtClean="0"/>
-              <a:t>08/09/2016</a:t>
+              <a:t>09/09/2016</a:t>
             </a:fld>
             <a:endParaRPr lang="pt-BR"/>
           </a:p>
@@ -3872,7 +3872,7 @@
           <a:p>
             <a:fld id="{89C4B140-6DEB-45EB-A5FE-2FE213A19AB6}" type="datetimeFigureOut">
               <a:rPr lang="pt-BR" smtClean="0"/>
-              <a:t>08/09/2016</a:t>
+              <a:t>09/09/2016</a:t>
             </a:fld>
             <a:endParaRPr lang="pt-BR"/>
           </a:p>
@@ -3991,7 +3991,7 @@
           <a:p>
             <a:fld id="{89C4B140-6DEB-45EB-A5FE-2FE213A19AB6}" type="datetimeFigureOut">
               <a:rPr lang="pt-BR" smtClean="0"/>
-              <a:t>08/09/2016</a:t>
+              <a:t>09/09/2016</a:t>
             </a:fld>
             <a:endParaRPr lang="pt-BR"/>
           </a:p>
@@ -4301,7 +4301,7 @@
           <a:p>
             <a:fld id="{89C4B140-6DEB-45EB-A5FE-2FE213A19AB6}" type="datetimeFigureOut">
               <a:rPr lang="pt-BR" smtClean="0"/>
-              <a:t>08/09/2016</a:t>
+              <a:t>09/09/2016</a:t>
             </a:fld>
             <a:endParaRPr lang="pt-BR"/>
           </a:p>
@@ -4587,7 +4587,7 @@
           <a:p>
             <a:fld id="{89C4B140-6DEB-45EB-A5FE-2FE213A19AB6}" type="datetimeFigureOut">
               <a:rPr lang="pt-BR" smtClean="0"/>
-              <a:t>08/09/2016</a:t>
+              <a:t>09/09/2016</a:t>
             </a:fld>
             <a:endParaRPr lang="pt-BR"/>
           </a:p>
@@ -5315,7 +5315,7 @@
               <a:rPr lang="pt-BR" b="1" smtClean="0">
                 <a:latin typeface="Calibri" panose="020F0502020204030204" pitchFamily="34" charset="0"/>
               </a:rPr>
-              <a:t>XX </a:t>
+              <a:t>YY </a:t>
             </a:r>
             <a:r>
               <a:rPr lang="pt-BR" sz="1800" b="1" dirty="0" smtClean="0">
